--- a/RWorkshopPart3-RegressionAndGraphics.pptx
+++ b/RWorkshopPart3-RegressionAndGraphics.pptx
@@ -236,7 +236,7 @@
           <a:p>
             <a:fld id="{E8461243-D604-5843-845B-7EFB5EA31B62}" type="datetimeFigureOut">
               <a:rPr lang="en-US" smtClean="0"/>
-              <a:t>1/7/21</a:t>
+              <a:t>5/3/21</a:t>
             </a:fld>
             <a:endParaRPr lang="en-US"/>
           </a:p>
@@ -402,7 +402,7 @@
           <a:p>
             <a:fld id="{D1F18036-45D0-F74B-A2DB-993CC21DCE2D}" type="datetimeFigureOut">
               <a:rPr lang="en-US" smtClean="0"/>
-              <a:t>1/7/21</a:t>
+              <a:t>5/3/21</a:t>
             </a:fld>
             <a:endParaRPr lang="en-US"/>
           </a:p>
@@ -849,7 +849,7 @@
           <a:p>
             <a:fld id="{9D01412E-F354-124D-AF0A-ACD59DB5DF72}" type="datetime1">
               <a:rPr lang="en-US" smtClean="0"/>
-              <a:t>1/7/21</a:t>
+              <a:t>5/3/21</a:t>
             </a:fld>
             <a:endParaRPr lang="en-US"/>
           </a:p>
@@ -1017,7 +1017,7 @@
           <a:p>
             <a:fld id="{876A67C4-9301-5D42-A1ED-080767BDD210}" type="datetime1">
               <a:rPr lang="en-US" smtClean="0"/>
-              <a:t>1/7/21</a:t>
+              <a:t>5/3/21</a:t>
             </a:fld>
             <a:endParaRPr lang="en-US"/>
           </a:p>
@@ -1195,7 +1195,7 @@
           <a:p>
             <a:fld id="{09A1F106-5EB9-E945-A2EE-30AF861D2F9B}" type="datetime1">
               <a:rPr lang="en-US" smtClean="0"/>
-              <a:t>1/7/21</a:t>
+              <a:t>5/3/21</a:t>
             </a:fld>
             <a:endParaRPr lang="en-US"/>
           </a:p>
@@ -1363,7 +1363,7 @@
           <a:p>
             <a:fld id="{CF492CD8-FE8A-7F4F-8C31-4634541436D1}" type="datetime1">
               <a:rPr lang="en-US" smtClean="0"/>
-              <a:t>1/7/21</a:t>
+              <a:t>5/3/21</a:t>
             </a:fld>
             <a:endParaRPr lang="en-US"/>
           </a:p>
@@ -1608,7 +1608,7 @@
           <a:p>
             <a:fld id="{B27317BF-5102-DD4C-A5A2-B061E96C7492}" type="datetime1">
               <a:rPr lang="en-US" smtClean="0"/>
-              <a:t>1/7/21</a:t>
+              <a:t>5/3/21</a:t>
             </a:fld>
             <a:endParaRPr lang="en-US"/>
           </a:p>
@@ -1893,7 +1893,7 @@
           <a:p>
             <a:fld id="{ADEEFEDB-55AC-2148-84AA-51E6552832D0}" type="datetime1">
               <a:rPr lang="en-US" smtClean="0"/>
-              <a:t>1/7/21</a:t>
+              <a:t>5/3/21</a:t>
             </a:fld>
             <a:endParaRPr lang="en-US"/>
           </a:p>
@@ -2312,7 +2312,7 @@
           <a:p>
             <a:fld id="{4B70224D-79E9-594A-99A3-1E11BDA7D56C}" type="datetime1">
               <a:rPr lang="en-US" smtClean="0"/>
-              <a:t>1/7/21</a:t>
+              <a:t>5/3/21</a:t>
             </a:fld>
             <a:endParaRPr lang="en-US"/>
           </a:p>
@@ -2429,7 +2429,7 @@
           <a:p>
             <a:fld id="{0BC421F0-1F56-384F-862A-BA06B2F8EEFD}" type="datetime1">
               <a:rPr lang="en-US" smtClean="0"/>
-              <a:t>1/7/21</a:t>
+              <a:t>5/3/21</a:t>
             </a:fld>
             <a:endParaRPr lang="en-US"/>
           </a:p>
@@ -2524,7 +2524,7 @@
           <a:p>
             <a:fld id="{7154B9DB-A4C6-D845-BBE4-4BB6B955FAE9}" type="datetime1">
               <a:rPr lang="en-US" smtClean="0"/>
-              <a:t>1/7/21</a:t>
+              <a:t>5/3/21</a:t>
             </a:fld>
             <a:endParaRPr lang="en-US"/>
           </a:p>
@@ -2799,7 +2799,7 @@
           <a:p>
             <a:fld id="{5A2568A1-49E9-B242-8D67-6FA3E349A5C3}" type="datetime1">
               <a:rPr lang="en-US" smtClean="0"/>
-              <a:t>1/7/21</a:t>
+              <a:t>5/3/21</a:t>
             </a:fld>
             <a:endParaRPr lang="en-US"/>
           </a:p>
@@ -3051,7 +3051,7 @@
           <a:p>
             <a:fld id="{A6E06765-FB44-5F40-8A5E-324745C1D5B5}" type="datetime1">
               <a:rPr lang="en-US" smtClean="0"/>
-              <a:t>1/7/21</a:t>
+              <a:t>5/3/21</a:t>
             </a:fld>
             <a:endParaRPr lang="en-US"/>
           </a:p>
@@ -3262,7 +3262,7 @@
           <a:p>
             <a:fld id="{EA261AF2-CBDC-B64C-850E-07DDAF64AA4E}" type="datetime1">
               <a:rPr lang="en-US" smtClean="0"/>
-              <a:t>1/7/21</a:t>
+              <a:t>5/3/21</a:t>
             </a:fld>
             <a:endParaRPr lang="en-US"/>
           </a:p>
@@ -3697,9 +3697,10 @@
           </a:p>
           <a:p>
             <a:r>
-              <a:rPr lang="en-US" dirty="0"/>
-              <a:t>SER 2020</a:t>
-            </a:r>
+              <a:rPr lang="en-US"/>
+              <a:t>SER 2021</a:t>
+            </a:r>
+            <a:endParaRPr lang="en-US" dirty="0"/>
           </a:p>
           <a:p>
             <a:endParaRPr lang="en-US" dirty="0"/>
@@ -3764,14 +3765,14 @@
           </a:ln>
           <a:extLst>
             <a:ext uri="{909E8E84-426E-40dd-AFC4-6F175D3DCCD1}">
-              <a14:hiddenFill xmlns:a14="http://schemas.microsoft.com/office/drawing/2010/main" xmlns="">
+              <a14:hiddenFill xmlns="" xmlns:a14="http://schemas.microsoft.com/office/drawing/2010/main">
                 <a:solidFill>
                   <a:schemeClr val="accent1"/>
                 </a:solidFill>
               </a14:hiddenFill>
             </a:ext>
             <a:ext uri="{91240B29-F687-4f45-9708-019B960494DF}">
-              <a14:hiddenLine xmlns:a14="http://schemas.microsoft.com/office/drawing/2010/main" xmlns="" w="9525">
+              <a14:hiddenLine xmlns="" xmlns:a14="http://schemas.microsoft.com/office/drawing/2010/main" w="9525">
                 <a:solidFill>
                   <a:schemeClr val="tx1"/>
                 </a:solidFill>
@@ -3818,14 +3819,14 @@
           </a:ln>
           <a:extLst>
             <a:ext uri="{909E8E84-426E-40dd-AFC4-6F175D3DCCD1}">
-              <a14:hiddenFill xmlns:a14="http://schemas.microsoft.com/office/drawing/2010/main" xmlns="">
+              <a14:hiddenFill xmlns="" xmlns:a14="http://schemas.microsoft.com/office/drawing/2010/main">
                 <a:solidFill>
                   <a:schemeClr val="accent1"/>
                 </a:solidFill>
               </a14:hiddenFill>
             </a:ext>
             <a:ext uri="{91240B29-F687-4f45-9708-019B960494DF}">
-              <a14:hiddenLine xmlns:a14="http://schemas.microsoft.com/office/drawing/2010/main" xmlns="" w="9525">
+              <a14:hiddenLine xmlns="" xmlns:a14="http://schemas.microsoft.com/office/drawing/2010/main" w="9525">
                 <a:solidFill>
                   <a:schemeClr val="tx1"/>
                 </a:solidFill>
@@ -3987,14 +3988,14 @@
           <a:effectLst/>
           <a:extLst>
             <a:ext uri="{909E8E84-426E-40dd-AFC4-6F175D3DCCD1}">
-              <a14:hiddenFill xmlns:a14="http://schemas.microsoft.com/office/drawing/2010/main" xmlns="">
+              <a14:hiddenFill xmlns="" xmlns:a14="http://schemas.microsoft.com/office/drawing/2010/main">
                 <a:solidFill>
                   <a:schemeClr val="accent1"/>
                 </a:solidFill>
               </a14:hiddenFill>
             </a:ext>
             <a:ext uri="{91240B29-F687-4f45-9708-019B960494DF}">
-              <a14:hiddenLine xmlns:a14="http://schemas.microsoft.com/office/drawing/2010/main" xmlns="" w="9525">
+              <a14:hiddenLine xmlns="" xmlns:a14="http://schemas.microsoft.com/office/drawing/2010/main" w="9525">
                 <a:solidFill>
                   <a:schemeClr val="tx1"/>
                 </a:solidFill>
@@ -4004,7 +4005,7 @@
               </a14:hiddenLine>
             </a:ext>
             <a:ext uri="{AF507438-7753-43e0-B8FC-AC1667EBCBE1}">
-              <a14:hiddenEffects xmlns:a14="http://schemas.microsoft.com/office/drawing/2010/main" xmlns="">
+              <a14:hiddenEffects xmlns="" xmlns:a14="http://schemas.microsoft.com/office/drawing/2010/main">
                 <a:effectLst>
                   <a:outerShdw dist="35921" dir="2700000" algn="ctr" rotWithShape="0">
                     <a:schemeClr val="bg2"/>
@@ -6056,14 +6057,14 @@
           <a:effectLst/>
           <a:extLst>
             <a:ext uri="{909E8E84-426E-40dd-AFC4-6F175D3DCCD1}">
-              <a14:hiddenFill xmlns:a14="http://schemas.microsoft.com/office/drawing/2010/main" xmlns="">
+              <a14:hiddenFill xmlns="" xmlns:a14="http://schemas.microsoft.com/office/drawing/2010/main">
                 <a:solidFill>
                   <a:schemeClr val="accent1"/>
                 </a:solidFill>
               </a14:hiddenFill>
             </a:ext>
             <a:ext uri="{91240B29-F687-4f45-9708-019B960494DF}">
-              <a14:hiddenLine xmlns:a14="http://schemas.microsoft.com/office/drawing/2010/main" xmlns="" w="9525">
+              <a14:hiddenLine xmlns="" xmlns:a14="http://schemas.microsoft.com/office/drawing/2010/main" w="9525">
                 <a:solidFill>
                   <a:schemeClr val="tx1"/>
                 </a:solidFill>
@@ -6073,7 +6074,7 @@
               </a14:hiddenLine>
             </a:ext>
             <a:ext uri="{AF507438-7753-43e0-B8FC-AC1667EBCBE1}">
-              <a14:hiddenEffects xmlns:a14="http://schemas.microsoft.com/office/drawing/2010/main" xmlns="">
+              <a14:hiddenEffects xmlns="" xmlns:a14="http://schemas.microsoft.com/office/drawing/2010/main">
                 <a:effectLst>
                   <a:outerShdw dist="35921" dir="2700000" algn="ctr" rotWithShape="0">
                     <a:schemeClr val="bg2"/>
@@ -7932,14 +7933,14 @@
           <a:effectLst/>
           <a:extLst>
             <a:ext uri="{909E8E84-426E-40dd-AFC4-6F175D3DCCD1}">
-              <a14:hiddenFill xmlns:a14="http://schemas.microsoft.com/office/drawing/2010/main" xmlns="">
+              <a14:hiddenFill xmlns="" xmlns:a14="http://schemas.microsoft.com/office/drawing/2010/main">
                 <a:solidFill>
                   <a:schemeClr val="accent1"/>
                 </a:solidFill>
               </a14:hiddenFill>
             </a:ext>
             <a:ext uri="{91240B29-F687-4f45-9708-019B960494DF}">
-              <a14:hiddenLine xmlns:a14="http://schemas.microsoft.com/office/drawing/2010/main" xmlns="" w="9525">
+              <a14:hiddenLine xmlns="" xmlns:a14="http://schemas.microsoft.com/office/drawing/2010/main" w="9525">
                 <a:solidFill>
                   <a:schemeClr val="tx1"/>
                 </a:solidFill>
@@ -7949,7 +7950,7 @@
               </a14:hiddenLine>
             </a:ext>
             <a:ext uri="{AF507438-7753-43e0-B8FC-AC1667EBCBE1}">
-              <a14:hiddenEffects xmlns:a14="http://schemas.microsoft.com/office/drawing/2010/main" xmlns="">
+              <a14:hiddenEffects xmlns="" xmlns:a14="http://schemas.microsoft.com/office/drawing/2010/main">
                 <a:effectLst>
                   <a:outerShdw dist="35921" dir="2700000" algn="ctr" rotWithShape="0">
                     <a:schemeClr val="bg2"/>
@@ -8499,14 +8500,14 @@
           <a:effectLst/>
           <a:extLst>
             <a:ext uri="{909E8E84-426E-40dd-AFC4-6F175D3DCCD1}">
-              <a14:hiddenFill xmlns:a14="http://schemas.microsoft.com/office/drawing/2010/main" xmlns="">
+              <a14:hiddenFill xmlns="" xmlns:a14="http://schemas.microsoft.com/office/drawing/2010/main">
                 <a:solidFill>
                   <a:schemeClr val="accent1"/>
                 </a:solidFill>
               </a14:hiddenFill>
             </a:ext>
             <a:ext uri="{91240B29-F687-4f45-9708-019B960494DF}">
-              <a14:hiddenLine xmlns:a14="http://schemas.microsoft.com/office/drawing/2010/main" xmlns="" w="9525">
+              <a14:hiddenLine xmlns="" xmlns:a14="http://schemas.microsoft.com/office/drawing/2010/main" w="9525">
                 <a:solidFill>
                   <a:schemeClr val="tx1"/>
                 </a:solidFill>
@@ -8516,7 +8517,7 @@
               </a14:hiddenLine>
             </a:ext>
             <a:ext uri="{AF507438-7753-43e0-B8FC-AC1667EBCBE1}">
-              <a14:hiddenEffects xmlns:a14="http://schemas.microsoft.com/office/drawing/2010/main" xmlns="">
+              <a14:hiddenEffects xmlns="" xmlns:a14="http://schemas.microsoft.com/office/drawing/2010/main">
                 <a:effectLst>
                   <a:outerShdw dist="35921" dir="2700000" algn="ctr" rotWithShape="0">
                     <a:schemeClr val="bg2"/>
@@ -9297,14 +9298,14 @@
           <a:effectLst/>
           <a:extLst>
             <a:ext uri="{909E8E84-426E-40dd-AFC4-6F175D3DCCD1}">
-              <a14:hiddenFill xmlns:a14="http://schemas.microsoft.com/office/drawing/2010/main" xmlns="">
+              <a14:hiddenFill xmlns="" xmlns:a14="http://schemas.microsoft.com/office/drawing/2010/main">
                 <a:solidFill>
                   <a:schemeClr val="accent1"/>
                 </a:solidFill>
               </a14:hiddenFill>
             </a:ext>
             <a:ext uri="{91240B29-F687-4f45-9708-019B960494DF}">
-              <a14:hiddenLine xmlns:a14="http://schemas.microsoft.com/office/drawing/2010/main" xmlns="" w="9525">
+              <a14:hiddenLine xmlns="" xmlns:a14="http://schemas.microsoft.com/office/drawing/2010/main" w="9525">
                 <a:solidFill>
                   <a:schemeClr val="tx1"/>
                 </a:solidFill>
@@ -9314,7 +9315,7 @@
               </a14:hiddenLine>
             </a:ext>
             <a:ext uri="{AF507438-7753-43e0-B8FC-AC1667EBCBE1}">
-              <a14:hiddenEffects xmlns:a14="http://schemas.microsoft.com/office/drawing/2010/main" xmlns="">
+              <a14:hiddenEffects xmlns="" xmlns:a14="http://schemas.microsoft.com/office/drawing/2010/main">
                 <a:effectLst>
                   <a:outerShdw dist="35921" dir="2700000" algn="ctr" rotWithShape="0">
                     <a:schemeClr val="bg2"/>
